--- a/powerpoints/institution figure.pptx
+++ b/powerpoints/institution figure.pptx
@@ -6,6 +6,7 @@
   </p:sldMasterIdLst>
   <p:sldIdLst>
     <p:sldId id="256" r:id="rId2"/>
+    <p:sldId id="257" r:id="rId3"/>
   </p:sldIdLst>
   <p:sldSz cx="12192000" cy="6858000"/>
   <p:notesSz cx="6858000" cy="9144000"/>
@@ -104,6 +105,11 @@
       </a:defRPr>
     </a:lvl9pPr>
   </p:defaultTextStyle>
+  <p:extLst>
+    <p:ext uri="{EFAFB233-063F-42B5-8137-9DF3F51BA10A}">
+      <p15:sldGuideLst xmlns:p15="http://schemas.microsoft.com/office/powerpoint/2012/main"/>
+    </p:ext>
+  </p:extLst>
 </p:presentation>
 </file>
 
@@ -254,7 +260,7 @@
           <a:p>
             <a:fld id="{00134242-D736-4228-AF3A-F3C95811A367}" type="datetimeFigureOut">
               <a:rPr lang="en-US" smtClean="0"/>
-              <a:t>11/7/2023</a:t>
+              <a:t>5/27/2024</a:t>
             </a:fld>
             <a:endParaRPr lang="en-US"/>
           </a:p>
@@ -452,7 +458,7 @@
           <a:p>
             <a:fld id="{00134242-D736-4228-AF3A-F3C95811A367}" type="datetimeFigureOut">
               <a:rPr lang="en-US" smtClean="0"/>
-              <a:t>11/7/2023</a:t>
+              <a:t>5/27/2024</a:t>
             </a:fld>
             <a:endParaRPr lang="en-US"/>
           </a:p>
@@ -660,7 +666,7 @@
           <a:p>
             <a:fld id="{00134242-D736-4228-AF3A-F3C95811A367}" type="datetimeFigureOut">
               <a:rPr lang="en-US" smtClean="0"/>
-              <a:t>11/7/2023</a:t>
+              <a:t>5/27/2024</a:t>
             </a:fld>
             <a:endParaRPr lang="en-US"/>
           </a:p>
@@ -858,7 +864,7 @@
           <a:p>
             <a:fld id="{00134242-D736-4228-AF3A-F3C95811A367}" type="datetimeFigureOut">
               <a:rPr lang="en-US" smtClean="0"/>
-              <a:t>11/7/2023</a:t>
+              <a:t>5/27/2024</a:t>
             </a:fld>
             <a:endParaRPr lang="en-US"/>
           </a:p>
@@ -1133,7 +1139,7 @@
           <a:p>
             <a:fld id="{00134242-D736-4228-AF3A-F3C95811A367}" type="datetimeFigureOut">
               <a:rPr lang="en-US" smtClean="0"/>
-              <a:t>11/7/2023</a:t>
+              <a:t>5/27/2024</a:t>
             </a:fld>
             <a:endParaRPr lang="en-US"/>
           </a:p>
@@ -1398,7 +1404,7 @@
           <a:p>
             <a:fld id="{00134242-D736-4228-AF3A-F3C95811A367}" type="datetimeFigureOut">
               <a:rPr lang="en-US" smtClean="0"/>
-              <a:t>11/7/2023</a:t>
+              <a:t>5/27/2024</a:t>
             </a:fld>
             <a:endParaRPr lang="en-US"/>
           </a:p>
@@ -1810,7 +1816,7 @@
           <a:p>
             <a:fld id="{00134242-D736-4228-AF3A-F3C95811A367}" type="datetimeFigureOut">
               <a:rPr lang="en-US" smtClean="0"/>
-              <a:t>11/7/2023</a:t>
+              <a:t>5/27/2024</a:t>
             </a:fld>
             <a:endParaRPr lang="en-US"/>
           </a:p>
@@ -1951,7 +1957,7 @@
           <a:p>
             <a:fld id="{00134242-D736-4228-AF3A-F3C95811A367}" type="datetimeFigureOut">
               <a:rPr lang="en-US" smtClean="0"/>
-              <a:t>11/7/2023</a:t>
+              <a:t>5/27/2024</a:t>
             </a:fld>
             <a:endParaRPr lang="en-US"/>
           </a:p>
@@ -2064,7 +2070,7 @@
           <a:p>
             <a:fld id="{00134242-D736-4228-AF3A-F3C95811A367}" type="datetimeFigureOut">
               <a:rPr lang="en-US" smtClean="0"/>
-              <a:t>11/7/2023</a:t>
+              <a:t>5/27/2024</a:t>
             </a:fld>
             <a:endParaRPr lang="en-US"/>
           </a:p>
@@ -2375,7 +2381,7 @@
           <a:p>
             <a:fld id="{00134242-D736-4228-AF3A-F3C95811A367}" type="datetimeFigureOut">
               <a:rPr lang="en-US" smtClean="0"/>
-              <a:t>11/7/2023</a:t>
+              <a:t>5/27/2024</a:t>
             </a:fld>
             <a:endParaRPr lang="en-US"/>
           </a:p>
@@ -2663,7 +2669,7 @@
           <a:p>
             <a:fld id="{00134242-D736-4228-AF3A-F3C95811A367}" type="datetimeFigureOut">
               <a:rPr lang="en-US" smtClean="0"/>
-              <a:t>11/7/2023</a:t>
+              <a:t>5/27/2024</a:t>
             </a:fld>
             <a:endParaRPr lang="en-US"/>
           </a:p>
@@ -2904,7 +2910,7 @@
           <a:p>
             <a:fld id="{00134242-D736-4228-AF3A-F3C95811A367}" type="datetimeFigureOut">
               <a:rPr lang="en-US" smtClean="0"/>
-              <a:t>11/7/2023</a:t>
+              <a:t>5/27/2024</a:t>
             </a:fld>
             <a:endParaRPr lang="en-US"/>
           </a:p>
@@ -3708,6 +3714,311 @@
 </p:sld>
 </file>
 
+<file path=ppt/slides/slide2.xml><?xml version="1.0" encoding="utf-8"?>
+<p:sld xmlns:a="http://schemas.openxmlformats.org/drawingml/2006/main" xmlns:r="http://schemas.openxmlformats.org/officeDocument/2006/relationships" xmlns:p="http://schemas.openxmlformats.org/presentationml/2006/main">
+  <p:cSld>
+    <p:spTree>
+      <p:nvGrpSpPr>
+        <p:cNvPr id="1" name=""/>
+        <p:cNvGrpSpPr/>
+        <p:nvPr/>
+      </p:nvGrpSpPr>
+      <p:grpSpPr>
+        <a:xfrm>
+          <a:off x="0" y="0"/>
+          <a:ext cx="0" cy="0"/>
+          <a:chOff x="0" y="0"/>
+          <a:chExt cx="0" cy="0"/>
+        </a:xfrm>
+      </p:grpSpPr>
+      <p:grpSp>
+        <p:nvGrpSpPr>
+          <p:cNvPr id="4" name="Group 3">
+            <a:extLst>
+              <a:ext uri="{FF2B5EF4-FFF2-40B4-BE49-F238E27FC236}">
+                <a16:creationId xmlns:a16="http://schemas.microsoft.com/office/drawing/2014/main" id="{9075A0FB-D20D-9F82-AA77-3488A04FDCCF}"/>
+              </a:ext>
+            </a:extLst>
+          </p:cNvPr>
+          <p:cNvGrpSpPr/>
+          <p:nvPr/>
+        </p:nvGrpSpPr>
+        <p:grpSpPr>
+          <a:xfrm>
+            <a:off x="0" y="953780"/>
+            <a:ext cx="12198282" cy="2916421"/>
+            <a:chOff x="0" y="953780"/>
+            <a:chExt cx="12198282" cy="2916421"/>
+          </a:xfrm>
+        </p:grpSpPr>
+        <p:pic>
+          <p:nvPicPr>
+            <p:cNvPr id="3" name="Picture 4" descr="University of Aberdeen Alumni Relations &amp; Development Trust - YouTube">
+              <a:extLst>
+                <a:ext uri="{FF2B5EF4-FFF2-40B4-BE49-F238E27FC236}">
+                  <a16:creationId xmlns:a16="http://schemas.microsoft.com/office/drawing/2014/main" id="{451B3973-82C0-DA5F-DC9B-544BDB45DD38}"/>
+                </a:ext>
+              </a:extLst>
+            </p:cNvPr>
+            <p:cNvPicPr>
+              <a:picLocks noChangeAspect="1" noChangeArrowheads="1"/>
+            </p:cNvPicPr>
+            <p:nvPr/>
+          </p:nvPicPr>
+          <p:blipFill rotWithShape="1">
+            <a:blip r:embed="rId2">
+              <a:extLst>
+                <a:ext uri="{28A0092B-C50C-407E-A947-70E740481C1C}">
+                  <a14:useLocalDpi xmlns:a14="http://schemas.microsoft.com/office/drawing/2010/main" val="0"/>
+                </a:ext>
+              </a:extLst>
+            </a:blip>
+            <a:srcRect l="6396" t="5220" r="9869" b="10277"/>
+            <a:stretch/>
+          </p:blipFill>
+          <p:spPr bwMode="auto">
+            <a:xfrm>
+              <a:off x="9308378" y="953780"/>
+              <a:ext cx="2889904" cy="2916421"/>
+            </a:xfrm>
+            <a:prstGeom prst="rect">
+              <a:avLst/>
+            </a:prstGeom>
+            <a:noFill/>
+            <a:extLst>
+              <a:ext uri="{909E8E84-426E-40DD-AFC4-6F175D3DCCD1}">
+                <a14:hiddenFill xmlns:a14="http://schemas.microsoft.com/office/drawing/2010/main">
+                  <a:solidFill>
+                    <a:srgbClr val="FFFFFF"/>
+                  </a:solidFill>
+                </a14:hiddenFill>
+              </a:ext>
+            </a:extLst>
+          </p:spPr>
+        </p:pic>
+        <p:grpSp>
+          <p:nvGrpSpPr>
+            <p:cNvPr id="9" name="Group 8">
+              <a:extLst>
+                <a:ext uri="{FF2B5EF4-FFF2-40B4-BE49-F238E27FC236}">
+                  <a16:creationId xmlns:a16="http://schemas.microsoft.com/office/drawing/2014/main" id="{9516C453-6DD8-8E00-CAE7-0246623F9A13}"/>
+                </a:ext>
+              </a:extLst>
+            </p:cNvPr>
+            <p:cNvGrpSpPr/>
+            <p:nvPr/>
+          </p:nvGrpSpPr>
+          <p:grpSpPr>
+            <a:xfrm>
+              <a:off x="0" y="1124261"/>
+              <a:ext cx="9636400" cy="2575458"/>
+              <a:chOff x="-651150" y="1472665"/>
+              <a:chExt cx="9636400" cy="2575458"/>
+            </a:xfrm>
+          </p:grpSpPr>
+          <p:pic>
+            <p:nvPicPr>
+              <p:cNvPr id="1026" name="Picture 2" descr="Lake Forest College - Wikipedia">
+                <a:extLst>
+                  <a:ext uri="{FF2B5EF4-FFF2-40B4-BE49-F238E27FC236}">
+                    <a16:creationId xmlns:a16="http://schemas.microsoft.com/office/drawing/2014/main" id="{7A1DEFF6-E035-E679-3B5A-05AC48505CAB}"/>
+                  </a:ext>
+                </a:extLst>
+              </p:cNvPr>
+              <p:cNvPicPr>
+                <a:picLocks noChangeAspect="1" noChangeArrowheads="1"/>
+              </p:cNvPicPr>
+              <p:nvPr/>
+            </p:nvPicPr>
+            <p:blipFill>
+              <a:blip r:embed="rId3">
+                <a:extLst>
+                  <a:ext uri="{28A0092B-C50C-407E-A947-70E740481C1C}">
+                    <a14:useLocalDpi xmlns:a14="http://schemas.microsoft.com/office/drawing/2010/main" val="0"/>
+                  </a:ext>
+                </a:extLst>
+              </a:blip>
+              <a:srcRect/>
+              <a:stretch>
+                <a:fillRect/>
+              </a:stretch>
+            </p:blipFill>
+            <p:spPr bwMode="auto">
+              <a:xfrm>
+                <a:off x="-651150" y="1472665"/>
+                <a:ext cx="2323874" cy="2575458"/>
+              </a:xfrm>
+              <a:prstGeom prst="rect">
+                <a:avLst/>
+              </a:prstGeom>
+              <a:noFill/>
+              <a:effectLst/>
+              <a:extLst>
+                <a:ext uri="{909E8E84-426E-40DD-AFC4-6F175D3DCCD1}">
+                  <a14:hiddenFill xmlns:a14="http://schemas.microsoft.com/office/drawing/2010/main">
+                    <a:solidFill>
+                      <a:srgbClr val="FFFFFF"/>
+                    </a:solidFill>
+                  </a14:hiddenFill>
+                </a:ext>
+              </a:extLst>
+            </p:spPr>
+          </p:pic>
+          <p:pic>
+            <p:nvPicPr>
+              <p:cNvPr id="1028" name="Picture 4">
+                <a:extLst>
+                  <a:ext uri="{FF2B5EF4-FFF2-40B4-BE49-F238E27FC236}">
+                    <a16:creationId xmlns:a16="http://schemas.microsoft.com/office/drawing/2014/main" id="{FD8F2FAF-3EB7-0E08-081F-D471495FB2DE}"/>
+                  </a:ext>
+                </a:extLst>
+              </p:cNvPr>
+              <p:cNvPicPr>
+                <a:picLocks noChangeAspect="1" noChangeArrowheads="1"/>
+              </p:cNvPicPr>
+              <p:nvPr/>
+            </p:nvPicPr>
+            <p:blipFill>
+              <a:blip r:embed="rId4">
+                <a:extLst>
+                  <a:ext uri="{28A0092B-C50C-407E-A947-70E740481C1C}">
+                    <a14:useLocalDpi xmlns:a14="http://schemas.microsoft.com/office/drawing/2010/main" val="0"/>
+                  </a:ext>
+                </a:extLst>
+              </a:blip>
+              <a:srcRect/>
+              <a:stretch>
+                <a:fillRect/>
+              </a:stretch>
+            </p:blipFill>
+            <p:spPr bwMode="auto">
+              <a:xfrm>
+                <a:off x="4310454" y="1472665"/>
+                <a:ext cx="2057386" cy="2575458"/>
+              </a:xfrm>
+              <a:prstGeom prst="rect">
+                <a:avLst/>
+              </a:prstGeom>
+              <a:noFill/>
+              <a:effectLst/>
+              <a:extLst>
+                <a:ext uri="{909E8E84-426E-40DD-AFC4-6F175D3DCCD1}">
+                  <a14:hiddenFill xmlns:a14="http://schemas.microsoft.com/office/drawing/2010/main">
+                    <a:solidFill>
+                      <a:srgbClr val="FFFFFF"/>
+                    </a:solidFill>
+                  </a14:hiddenFill>
+                </a:ext>
+              </a:extLst>
+            </p:spPr>
+          </p:pic>
+          <p:cxnSp>
+            <p:nvCxnSpPr>
+              <p:cNvPr id="5" name="Straight Arrow Connector 4">
+                <a:extLst>
+                  <a:ext uri="{FF2B5EF4-FFF2-40B4-BE49-F238E27FC236}">
+                    <a16:creationId xmlns:a16="http://schemas.microsoft.com/office/drawing/2014/main" id="{D1FE0651-D76B-653B-F1C2-97D05D16AF20}"/>
+                  </a:ext>
+                </a:extLst>
+              </p:cNvPr>
+              <p:cNvCxnSpPr>
+                <a:cxnSpLocks/>
+              </p:cNvCxnSpPr>
+              <p:nvPr/>
+            </p:nvCxnSpPr>
+            <p:spPr>
+              <a:xfrm>
+                <a:off x="1672724" y="2760394"/>
+                <a:ext cx="2365876" cy="0"/>
+              </a:xfrm>
+              <a:prstGeom prst="straightConnector1">
+                <a:avLst/>
+              </a:prstGeom>
+              <a:ln w="57150">
+                <a:solidFill>
+                  <a:srgbClr val="2C3E50">
+                    <a:alpha val="50196"/>
+                  </a:srgbClr>
+                </a:solidFill>
+                <a:tailEnd type="triangle"/>
+              </a:ln>
+            </p:spPr>
+            <p:style>
+              <a:lnRef idx="1">
+                <a:schemeClr val="accent1"/>
+              </a:lnRef>
+              <a:fillRef idx="0">
+                <a:schemeClr val="accent1"/>
+              </a:fillRef>
+              <a:effectRef idx="0">
+                <a:schemeClr val="accent1"/>
+              </a:effectRef>
+              <a:fontRef idx="minor">
+                <a:schemeClr val="tx1"/>
+              </a:fontRef>
+            </p:style>
+          </p:cxnSp>
+          <p:cxnSp>
+            <p:nvCxnSpPr>
+              <p:cNvPr id="8" name="Straight Arrow Connector 7">
+                <a:extLst>
+                  <a:ext uri="{FF2B5EF4-FFF2-40B4-BE49-F238E27FC236}">
+                    <a16:creationId xmlns:a16="http://schemas.microsoft.com/office/drawing/2014/main" id="{AEC6B790-5C6C-DB5E-051E-1F184060B494}"/>
+                  </a:ext>
+                </a:extLst>
+              </p:cNvPr>
+              <p:cNvCxnSpPr>
+                <a:cxnSpLocks/>
+              </p:cNvCxnSpPr>
+              <p:nvPr/>
+            </p:nvCxnSpPr>
+            <p:spPr>
+              <a:xfrm>
+                <a:off x="6619374" y="2760394"/>
+                <a:ext cx="2365876" cy="0"/>
+              </a:xfrm>
+              <a:prstGeom prst="straightConnector1">
+                <a:avLst/>
+              </a:prstGeom>
+              <a:ln w="57150">
+                <a:solidFill>
+                  <a:srgbClr val="2C3E50">
+                    <a:alpha val="50196"/>
+                  </a:srgbClr>
+                </a:solidFill>
+                <a:tailEnd type="triangle"/>
+              </a:ln>
+            </p:spPr>
+            <p:style>
+              <a:lnRef idx="1">
+                <a:schemeClr val="accent1"/>
+              </a:lnRef>
+              <a:fillRef idx="0">
+                <a:schemeClr val="accent1"/>
+              </a:fillRef>
+              <a:effectRef idx="0">
+                <a:schemeClr val="accent1"/>
+              </a:effectRef>
+              <a:fontRef idx="minor">
+                <a:schemeClr val="tx1"/>
+              </a:fontRef>
+            </p:style>
+          </p:cxnSp>
+        </p:grpSp>
+      </p:grpSp>
+    </p:spTree>
+    <p:extLst>
+      <p:ext uri="{BB962C8B-B14F-4D97-AF65-F5344CB8AC3E}">
+        <p14:creationId xmlns:p14="http://schemas.microsoft.com/office/powerpoint/2010/main" val="168179299"/>
+      </p:ext>
+    </p:extLst>
+  </p:cSld>
+  <p:clrMapOvr>
+    <a:masterClrMapping/>
+  </p:clrMapOvr>
+</p:sld>
+</file>
+
 <file path=ppt/theme/theme1.xml><?xml version="1.0" encoding="utf-8"?>
 <a:theme xmlns:a="http://schemas.openxmlformats.org/drawingml/2006/main" name="Office Theme">
   <a:themeElements>
